--- a/presentation/presentation.pptx
+++ b/presentation/presentation.pptx
@@ -5586,7 +5586,7 @@
             </a:r>
             <a:r>
               <a:rPr/>
-              <a:t>. Cambridge, [New York]: Open Book Publishers ; NYU Global Institute for Advanced Study.</a:t>
+              <a:t>. Open Book Publishers ; NYU Global Institute for Advanced Study.</a:t>
             </a:r>
           </a:p>
           <a:p>
